--- a/Semestr 2/Programowanie współbieżne i rozproszone/Projekt_wykład/Prezentacja_cz1.pptx
+++ b/Semestr 2/Programowanie współbieżne i rozproszone/Projekt_wykład/Prezentacja_cz1.pptx
@@ -110,6 +110,11 @@
       </a:defRPr>
     </a:lvl9pPr>
   </p:defaultTextStyle>
+  <p:extLst>
+    <p:ext uri="{EFAFB233-063F-42B5-8137-9DF3F51BA10A}">
+      <p15:sldGuideLst xmlns:p15="http://schemas.microsoft.com/office/powerpoint/2012/main"/>
+    </p:ext>
+  </p:extLst>
 </p:presentation>
 </file>
 
@@ -6191,7 +6196,7 @@
         <p:spPr>
           <a:xfrm>
             <a:off x="1154955" y="1447800"/>
-            <a:ext cx="8825658" cy="3329581"/>
+            <a:ext cx="8825658" cy="3114152"/>
           </a:xfrm>
         </p:spPr>
         <p:txBody>
@@ -6206,15 +6211,15 @@
               </a:lnSpc>
             </a:pPr>
             <a:r>
-              <a:rPr lang="pl-PL" sz="5600" b="1" kern="100">
+              <a:rPr lang="pl-PL" sz="5600" b="1" kern="100" dirty="0">
                 <a:effectLst/>
                 <a:latin typeface="Aptos" panose="020B0004020202020204" pitchFamily="34" charset="0"/>
                 <a:ea typeface="Aptos" panose="020B0004020202020204" pitchFamily="34" charset="0"/>
                 <a:cs typeface="Times New Roman" panose="02020603050405020304" pitchFamily="18" charset="0"/>
               </a:rPr>
-              <a:t>Równoległa Implementacja Eliminacji Gaussa-Jordana</a:t>
-            </a:r>
-            <a:endParaRPr lang="pl-PL" sz="5600"/>
+              <a:t>Implementacja Eliminacji Gaussa-Jordana w różnych wariantach</a:t>
+            </a:r>
+            <a:endParaRPr lang="pl-PL" sz="5600" dirty="0"/>
           </a:p>
         </p:txBody>
       </p:sp>
@@ -6592,13 +6597,13 @@
   <p:clrMapOvr>
     <a:masterClrMapping/>
   </p:clrMapOvr>
-  <mc:AlternateContent xmlns:mc="http://schemas.openxmlformats.org/markup-compatibility/2006">
-    <mc:Choice xmlns:p14="http://schemas.microsoft.com/office/powerpoint/2010/main" Requires="p14">
+  <mc:AlternateContent xmlns:mc="http://schemas.openxmlformats.org/markup-compatibility/2006" xmlns:p14="http://schemas.microsoft.com/office/powerpoint/2010/main">
+    <mc:Choice Requires="p14">
       <p:transition spd="med" p14:dur="700">
         <p:fade/>
       </p:transition>
     </mc:Choice>
-    <mc:Fallback>
+    <mc:Fallback xmlns="">
       <p:transition spd="med">
         <p:fade/>
       </p:transition>
@@ -6731,13 +6736,13 @@
   <p:clrMapOvr>
     <a:masterClrMapping/>
   </p:clrMapOvr>
-  <mc:AlternateContent xmlns:mc="http://schemas.openxmlformats.org/markup-compatibility/2006">
-    <mc:Choice xmlns:p14="http://schemas.microsoft.com/office/powerpoint/2010/main" Requires="p14">
+  <mc:AlternateContent xmlns:mc="http://schemas.openxmlformats.org/markup-compatibility/2006" xmlns:p14="http://schemas.microsoft.com/office/powerpoint/2010/main">
+    <mc:Choice Requires="p14">
       <p:transition spd="med" p14:dur="700">
         <p:fade/>
       </p:transition>
     </mc:Choice>
-    <mc:Fallback>
+    <mc:Fallback xmlns="">
       <p:transition spd="med">
         <p:fade/>
       </p:transition>
@@ -6874,13 +6879,13 @@
   <p:clrMapOvr>
     <a:masterClrMapping/>
   </p:clrMapOvr>
-  <mc:AlternateContent xmlns:mc="http://schemas.openxmlformats.org/markup-compatibility/2006">
-    <mc:Choice xmlns:p14="http://schemas.microsoft.com/office/powerpoint/2010/main" Requires="p14">
+  <mc:AlternateContent xmlns:mc="http://schemas.openxmlformats.org/markup-compatibility/2006" xmlns:p14="http://schemas.microsoft.com/office/powerpoint/2010/main">
+    <mc:Choice Requires="p14">
       <p:transition spd="med" p14:dur="700">
         <p:fade/>
       </p:transition>
     </mc:Choice>
-    <mc:Fallback>
+    <mc:Fallback xmlns="">
       <p:transition spd="med">
         <p:fade/>
       </p:transition>
@@ -7517,13 +7522,13 @@
   <p:clrMapOvr>
     <a:masterClrMapping/>
   </p:clrMapOvr>
-  <mc:AlternateContent xmlns:mc="http://schemas.openxmlformats.org/markup-compatibility/2006">
-    <mc:Choice xmlns:p14="http://schemas.microsoft.com/office/powerpoint/2010/main" Requires="p14">
+  <mc:AlternateContent xmlns:mc="http://schemas.openxmlformats.org/markup-compatibility/2006" xmlns:p14="http://schemas.microsoft.com/office/powerpoint/2010/main">
+    <mc:Choice Requires="p14">
       <p:transition spd="med" p14:dur="700">
         <p:fade/>
       </p:transition>
     </mc:Choice>
-    <mc:Fallback>
+    <mc:Fallback xmlns="">
       <p:transition spd="med">
         <p:fade/>
       </p:transition>
@@ -7717,13 +7722,13 @@
   <p:clrMapOvr>
     <a:masterClrMapping/>
   </p:clrMapOvr>
-  <mc:AlternateContent xmlns:mc="http://schemas.openxmlformats.org/markup-compatibility/2006">
-    <mc:Choice xmlns:p14="http://schemas.microsoft.com/office/powerpoint/2010/main" Requires="p14">
+  <mc:AlternateContent xmlns:mc="http://schemas.openxmlformats.org/markup-compatibility/2006" xmlns:p14="http://schemas.microsoft.com/office/powerpoint/2010/main">
+    <mc:Choice Requires="p14">
       <p:transition spd="med" p14:dur="700">
         <p:fade/>
       </p:transition>
     </mc:Choice>
-    <mc:Fallback>
+    <mc:Fallback xmlns="">
       <p:transition spd="med">
         <p:fade/>
       </p:transition>
@@ -7828,13 +7833,13 @@
   <p:clrMapOvr>
     <a:masterClrMapping/>
   </p:clrMapOvr>
-  <mc:AlternateContent xmlns:mc="http://schemas.openxmlformats.org/markup-compatibility/2006">
-    <mc:Choice xmlns:p14="http://schemas.microsoft.com/office/powerpoint/2010/main" Requires="p14">
+  <mc:AlternateContent xmlns:mc="http://schemas.openxmlformats.org/markup-compatibility/2006" xmlns:p14="http://schemas.microsoft.com/office/powerpoint/2010/main">
+    <mc:Choice Requires="p14">
       <p:transition spd="med" p14:dur="700">
         <p:fade/>
       </p:transition>
     </mc:Choice>
-    <mc:Fallback>
+    <mc:Fallback xmlns="">
       <p:transition spd="med">
         <p:fade/>
       </p:transition>

--- a/Semestr 2/Programowanie współbieżne i rozproszone/Projekt_wykład/Prezentacja_cz1.pptx
+++ b/Semestr 2/Programowanie współbieżne i rozproszone/Projekt_wykład/Prezentacja_cz1.pptx
@@ -6,12 +6,13 @@
   </p:sldMasterIdLst>
   <p:sldIdLst>
     <p:sldId id="256" r:id="rId2"/>
-    <p:sldId id="257" r:id="rId3"/>
-    <p:sldId id="258" r:id="rId4"/>
-    <p:sldId id="259" r:id="rId5"/>
-    <p:sldId id="260" r:id="rId6"/>
-    <p:sldId id="261" r:id="rId7"/>
-    <p:sldId id="262" r:id="rId8"/>
+    <p:sldId id="263" r:id="rId3"/>
+    <p:sldId id="257" r:id="rId4"/>
+    <p:sldId id="258" r:id="rId5"/>
+    <p:sldId id="259" r:id="rId6"/>
+    <p:sldId id="260" r:id="rId7"/>
+    <p:sldId id="261" r:id="rId8"/>
+    <p:sldId id="262" r:id="rId9"/>
   </p:sldIdLst>
   <p:sldSz cx="12192000" cy="6858000"/>
   <p:notesSz cx="6858000" cy="9144000"/>
@@ -6492,7 +6493,7 @@
           <p:cNvPr id="2" name="Tytuł 1">
             <a:extLst>
               <a:ext uri="{FF2B5EF4-FFF2-40B4-BE49-F238E27FC236}">
-                <a16:creationId xmlns:a16="http://schemas.microsoft.com/office/drawing/2014/main" id="{689B59FC-A612-9BDF-9C5E-C10E13DE0882}"/>
+                <a16:creationId xmlns:a16="http://schemas.microsoft.com/office/drawing/2014/main" id="{AE77AFB7-723A-3A34-C247-A20D2C7C3F8D}"/>
               </a:ext>
             </a:extLst>
           </p:cNvPr>
@@ -6510,7 +6511,7 @@
           <a:p>
             <a:r>
               <a:rPr lang="pl-PL" dirty="0"/>
-              <a:t>Wstęp teoretyczny</a:t>
+              <a:t>Cel projektu</a:t>
             </a:r>
           </a:p>
         </p:txBody>
@@ -6520,7 +6521,7 @@
           <p:cNvPr id="3" name="Symbol zastępczy zawartości 2">
             <a:extLst>
               <a:ext uri="{FF2B5EF4-FFF2-40B4-BE49-F238E27FC236}">
-                <a16:creationId xmlns:a16="http://schemas.microsoft.com/office/drawing/2014/main" id="{33A343B8-5AF7-6D06-674A-19175D8399B5}"/>
+                <a16:creationId xmlns:a16="http://schemas.microsoft.com/office/drawing/2014/main" id="{77CB675E-16B3-338B-3E17-3352BF937BDA}"/>
               </a:ext>
             </a:extLst>
           </p:cNvPr>
@@ -6531,84 +6532,83 @@
             <p:ph idx="1"/>
           </p:nvPr>
         </p:nvSpPr>
-        <p:spPr>
+        <p:spPr/>
+        <p:txBody>
+          <a:bodyPr/>
+          <a:lstStyle/>
+          <a:p>
+            <a:r>
+              <a:rPr lang="pl-PL" dirty="0"/>
+              <a:t>Celem mojego projektu jest </a:t>
+            </a:r>
+            <a:r>
+              <a:rPr lang="pl-PL" b="1" dirty="0"/>
+              <a:t>implementacja oraz analiza wydajności metody eliminacji Gaussa-Jordana w różnych wariantach</a:t>
+            </a:r>
+            <a:r>
+              <a:rPr lang="pl-PL" dirty="0"/>
+              <a:t>, aby sprawdzić, która metoda zrównoleglenia jest najbardziej efektywna w zależności od wielkości problemu i liczby wątków.</a:t>
+            </a:r>
+          </a:p>
+        </p:txBody>
+      </p:sp>
+      <p:pic>
+        <p:nvPicPr>
+          <p:cNvPr id="1026" name="Picture 2" descr="Informacje dla studentów - Stud - Metoda eliminacji Gaussa">
+            <a:extLst>
+              <a:ext uri="{FF2B5EF4-FFF2-40B4-BE49-F238E27FC236}">
+                <a16:creationId xmlns:a16="http://schemas.microsoft.com/office/drawing/2014/main" id="{AD87B15F-45F4-AC4F-5632-F6DD0BEAC02B}"/>
+              </a:ext>
+            </a:extLst>
+          </p:cNvPr>
+          <p:cNvPicPr>
+            <a:picLocks noChangeAspect="1" noChangeArrowheads="1"/>
+          </p:cNvPicPr>
+          <p:nvPr/>
+        </p:nvPicPr>
+        <p:blipFill>
+          <a:blip r:embed="rId2">
+            <a:extLst>
+              <a:ext uri="{28A0092B-C50C-407E-A947-70E740481C1C}">
+                <a14:useLocalDpi xmlns:a14="http://schemas.microsoft.com/office/drawing/2010/main" val="0"/>
+              </a:ext>
+            </a:extLst>
+          </a:blip>
+          <a:srcRect/>
+          <a:stretch>
+            <a:fillRect/>
+          </a:stretch>
+        </p:blipFill>
+        <p:spPr bwMode="auto">
           <a:xfrm>
-            <a:off x="1104293" y="1489700"/>
-            <a:ext cx="8946541" cy="5023743"/>
+            <a:off x="3714750" y="3659262"/>
+            <a:ext cx="4762500" cy="2162175"/>
           </a:xfrm>
+          <a:prstGeom prst="rect">
+            <a:avLst/>
+          </a:prstGeom>
+          <a:noFill/>
+          <a:extLst>
+            <a:ext uri="{909E8E84-426E-40DD-AFC4-6F175D3DCCD1}">
+              <a14:hiddenFill xmlns:a14="http://schemas.microsoft.com/office/drawing/2010/main">
+                <a:solidFill>
+                  <a:srgbClr val="FFFFFF"/>
+                </a:solidFill>
+              </a14:hiddenFill>
+            </a:ext>
+          </a:extLst>
         </p:spPr>
-        <p:txBody>
-          <a:bodyPr>
-            <a:normAutofit lnSpcReduction="10000"/>
-          </a:bodyPr>
-          <a:lstStyle/>
-          <a:p>
-            <a:r>
-              <a:rPr lang="pl-PL" b="1" dirty="0"/>
-              <a:t>Eliminacja Gaussa-Jordana – co to jest?</a:t>
-            </a:r>
-            <a:br>
-              <a:rPr lang="pl-PL" dirty="0"/>
-            </a:br>
-            <a:r>
-              <a:rPr lang="pl-PL" dirty="0"/>
-              <a:t>Eliminacja Gaussa-Jordana to metoda przekształcenia macierzy układu równań liniowych do postaci jednostkowej, co pozwala na łatwe wyznaczenie rozwiązań.</a:t>
-            </a:r>
-          </a:p>
-          <a:p>
-            <a:r>
-              <a:rPr lang="pl-PL" b="1" dirty="0"/>
-              <a:t>Charakterystyka algorytmu:</a:t>
-            </a:r>
-            <a:br>
-              <a:rPr lang="pl-PL" dirty="0"/>
-            </a:br>
-            <a:r>
-              <a:rPr lang="pl-PL" dirty="0"/>
-              <a:t>1.Normalizacja wiersza głównego – dzielenie wiersza przez wartość osiowego elementu, aby uzyskać wartość 1 w przekątnej macierzy. 2.Eliminacja elementów pozostałych w kolumnie – zerowanie wszystkich innych elementów w kolumnie osiowego elementu. 3.Powtórzenie operacji dla kolejnych kolumn aż do uzyskania macierzy jednostkowej w przypadku macierzy kwadratowej lub jej rozszerzonej wersji dla układów równań.</a:t>
-            </a:r>
-          </a:p>
-          <a:p>
-            <a:r>
-              <a:rPr lang="pl-PL" b="1" dirty="0"/>
-              <a:t>Złożoność czasowa:</a:t>
-            </a:r>
-            <a:br>
-              <a:rPr lang="pl-PL" dirty="0"/>
-            </a:br>
-            <a:r>
-              <a:rPr lang="pl-PL" b="1" dirty="0"/>
-              <a:t>O(n³)</a:t>
-            </a:r>
-            <a:r>
-              <a:rPr lang="pl-PL" dirty="0"/>
-              <a:t> – oznacza, że dla dużych układów równań obliczenia są bardzo kosztowne czasowo, co uzasadnia zastosowanie równoległości.</a:t>
-            </a:r>
-          </a:p>
-        </p:txBody>
-      </p:sp>
+      </p:pic>
     </p:spTree>
     <p:extLst>
       <p:ext uri="{BB962C8B-B14F-4D97-AF65-F5344CB8AC3E}">
-        <p14:creationId xmlns:p14="http://schemas.microsoft.com/office/powerpoint/2010/main" val="3990827631"/>
+        <p14:creationId xmlns:p14="http://schemas.microsoft.com/office/powerpoint/2010/main" val="2104979069"/>
       </p:ext>
     </p:extLst>
   </p:cSld>
   <p:clrMapOvr>
     <a:masterClrMapping/>
   </p:clrMapOvr>
-  <mc:AlternateContent xmlns:mc="http://schemas.openxmlformats.org/markup-compatibility/2006" xmlns:p14="http://schemas.microsoft.com/office/powerpoint/2010/main">
-    <mc:Choice Requires="p14">
-      <p:transition spd="med" p14:dur="700">
-        <p:fade/>
-      </p:transition>
-    </mc:Choice>
-    <mc:Fallback xmlns="">
-      <p:transition spd="med">
-        <p:fade/>
-      </p:transition>
-    </mc:Fallback>
-  </mc:AlternateContent>
 </p:sld>
 </file>
 
@@ -6634,7 +6634,7 @@
           <p:cNvPr id="2" name="Tytuł 1">
             <a:extLst>
               <a:ext uri="{FF2B5EF4-FFF2-40B4-BE49-F238E27FC236}">
-                <a16:creationId xmlns:a16="http://schemas.microsoft.com/office/drawing/2014/main" id="{22441F8F-9C4F-3A89-12B2-AC5FF4F4C463}"/>
+                <a16:creationId xmlns:a16="http://schemas.microsoft.com/office/drawing/2014/main" id="{689B59FC-A612-9BDF-9C5E-C10E13DE0882}"/>
               </a:ext>
             </a:extLst>
           </p:cNvPr>
@@ -6652,7 +6652,7 @@
           <a:p>
             <a:r>
               <a:rPr lang="pl-PL" dirty="0"/>
-              <a:t>Obszar stosowalności</a:t>
+              <a:t>Wstęp teoretyczny</a:t>
             </a:r>
           </a:p>
         </p:txBody>
@@ -6662,7 +6662,7 @@
           <p:cNvPr id="3" name="Symbol zastępczy zawartości 2">
             <a:extLst>
               <a:ext uri="{FF2B5EF4-FFF2-40B4-BE49-F238E27FC236}">
-                <a16:creationId xmlns:a16="http://schemas.microsoft.com/office/drawing/2014/main" id="{097E8220-790A-F793-1C29-D44886223142}"/>
+                <a16:creationId xmlns:a16="http://schemas.microsoft.com/office/drawing/2014/main" id="{33A343B8-5AF7-6D06-674A-19175D8399B5}"/>
               </a:ext>
             </a:extLst>
           </p:cNvPr>
@@ -6673,55 +6673,58 @@
             <p:ph idx="1"/>
           </p:nvPr>
         </p:nvSpPr>
-        <p:spPr/>
-        <p:txBody>
-          <a:bodyPr/>
+        <p:spPr>
+          <a:xfrm>
+            <a:off x="1104293" y="1489700"/>
+            <a:ext cx="8946541" cy="5023743"/>
+          </a:xfrm>
+        </p:spPr>
+        <p:txBody>
+          <a:bodyPr>
+            <a:normAutofit/>
+          </a:bodyPr>
           <a:lstStyle/>
           <a:p>
             <a:r>
+              <a:rPr lang="pl-PL" b="1" dirty="0"/>
+              <a:t>Eliminacja Gaussa-Jordana – co to jest?</a:t>
+            </a:r>
+            <a:br>
               <a:rPr lang="pl-PL" dirty="0"/>
-              <a:t>Implementacja równoległa eliminacji Gaussa-Jordana znajdzie zastosowanie w: </a:t>
-            </a:r>
-          </a:p>
-          <a:p>
-            <a:pPr marL="0" indent="0">
-              <a:buNone/>
-            </a:pPr>
+            </a:br>
             <a:r>
               <a:rPr lang="pl-PL" dirty="0"/>
-              <a:t>• Obliczeniach inżynierskich wymagających rozwiązania dużych układów równań (np. Matematyka stosowana czy uczenie maszynowe)</a:t>
-            </a:r>
-          </a:p>
-          <a:p>
-            <a:pPr marL="0" indent="0">
-              <a:buNone/>
-            </a:pPr>
-            <a:r>
+              <a:t>Eliminacja Gaussa-Jordana to metoda przekształcenia macierzy układu równań liniowych do postaci jednostkowej, co pozwala na łatwe wyznaczenie rozwiązań.</a:t>
+            </a:r>
+          </a:p>
+          <a:p>
+            <a:r>
+              <a:rPr lang="pl-PL" b="1" dirty="0"/>
+              <a:t>Charakterystyka algorytmu:</a:t>
+            </a:r>
+            <a:br>
               <a:rPr lang="pl-PL" dirty="0"/>
-              <a:t>• Symulacjach fizycznych </a:t>
-            </a:r>
-          </a:p>
-          <a:p>
-            <a:pPr marL="0" indent="0">
-              <a:buNone/>
-            </a:pPr>
+            </a:br>
             <a:r>
               <a:rPr lang="pl-PL" dirty="0"/>
-              <a:t>• Grafice komputerowej, np. w procesach </a:t>
-            </a:r>
-            <a:r>
-              <a:rPr lang="pl-PL" dirty="0" err="1"/>
-              <a:t>renderowania</a:t>
-            </a:r>
-            <a:endParaRPr lang="pl-PL" dirty="0"/>
-          </a:p>
-          <a:p>
-            <a:pPr marL="0" indent="0">
-              <a:buNone/>
-            </a:pPr>
-            <a:r>
+              <a:t>1.Normalizacja wiersza głównego – dzielenie wiersza przez wartość osiowego elementu, aby uzyskać wartość 1 w przekątnej macierzy. 2.Eliminacja elementów pozostałych w kolumnie – zerowanie wszystkich innych elementów w kolumnie osiowego elementu. 3.Powtórzenie operacji dla kolejnych kolumn aż do uzyskania macierzy jednostkowej w przypadku macierzy kwadratowej lub jej rozszerzonej wersji dla układów równań.</a:t>
+            </a:r>
+          </a:p>
+          <a:p>
+            <a:r>
+              <a:rPr lang="pl-PL" b="1" dirty="0"/>
+              <a:t>Złożoność czasowa:</a:t>
+            </a:r>
+            <a:br>
               <a:rPr lang="pl-PL" dirty="0"/>
-              <a:t>Oczekuje się, że implementacja równoległa znacząco skróci czas wykonywania operacji. Eksperymentalne wyniki pokażą, jaka liczba wątków daje optymalne przyspieszenie w zależności od architektury sprzętowej.</a:t>
+            </a:br>
+            <a:r>
+              <a:rPr lang="pl-PL" b="1" dirty="0"/>
+              <a:t>O(n³)</a:t>
+            </a:r>
+            <a:r>
+              <a:rPr lang="pl-PL" dirty="0"/>
+              <a:t> – oznacza, że dla dużych układów równań obliczenia są bardzo kosztowne czasowo.</a:t>
             </a:r>
           </a:p>
         </p:txBody>
@@ -6729,7 +6732,7 @@
     </p:spTree>
     <p:extLst>
       <p:ext uri="{BB962C8B-B14F-4D97-AF65-F5344CB8AC3E}">
-        <p14:creationId xmlns:p14="http://schemas.microsoft.com/office/powerpoint/2010/main" val="1378852561"/>
+        <p14:creationId xmlns:p14="http://schemas.microsoft.com/office/powerpoint/2010/main" val="3990827631"/>
       </p:ext>
     </p:extLst>
   </p:cSld>
@@ -6773,6 +6776,145 @@
           <p:cNvPr id="2" name="Tytuł 1">
             <a:extLst>
               <a:ext uri="{FF2B5EF4-FFF2-40B4-BE49-F238E27FC236}">
+                <a16:creationId xmlns:a16="http://schemas.microsoft.com/office/drawing/2014/main" id="{22441F8F-9C4F-3A89-12B2-AC5FF4F4C463}"/>
+              </a:ext>
+            </a:extLst>
+          </p:cNvPr>
+          <p:cNvSpPr>
+            <a:spLocks noGrp="1"/>
+          </p:cNvSpPr>
+          <p:nvPr>
+            <p:ph type="title"/>
+          </p:nvPr>
+        </p:nvSpPr>
+        <p:spPr/>
+        <p:txBody>
+          <a:bodyPr/>
+          <a:lstStyle/>
+          <a:p>
+            <a:r>
+              <a:rPr lang="pl-PL" dirty="0"/>
+              <a:t>Obszar stosowalności</a:t>
+            </a:r>
+          </a:p>
+        </p:txBody>
+      </p:sp>
+      <p:sp>
+        <p:nvSpPr>
+          <p:cNvPr id="3" name="Symbol zastępczy zawartości 2">
+            <a:extLst>
+              <a:ext uri="{FF2B5EF4-FFF2-40B4-BE49-F238E27FC236}">
+                <a16:creationId xmlns:a16="http://schemas.microsoft.com/office/drawing/2014/main" id="{097E8220-790A-F793-1C29-D44886223142}"/>
+              </a:ext>
+            </a:extLst>
+          </p:cNvPr>
+          <p:cNvSpPr>
+            <a:spLocks noGrp="1"/>
+          </p:cNvSpPr>
+          <p:nvPr>
+            <p:ph idx="1"/>
+          </p:nvPr>
+        </p:nvSpPr>
+        <p:spPr/>
+        <p:txBody>
+          <a:bodyPr/>
+          <a:lstStyle/>
+          <a:p>
+            <a:r>
+              <a:rPr lang="pl-PL" dirty="0"/>
+              <a:t>Implementacja eliminacji Gaussa-Jordana znajdzie zastosowanie w: </a:t>
+            </a:r>
+          </a:p>
+          <a:p>
+            <a:pPr marL="0" indent="0">
+              <a:buNone/>
+            </a:pPr>
+            <a:r>
+              <a:rPr lang="pl-PL" dirty="0"/>
+              <a:t>• Obliczeniach inżynierskich wymagających rozwiązania dużych układów równań (np. Matematyka stosowana czy uczenie maszynowe)</a:t>
+            </a:r>
+          </a:p>
+          <a:p>
+            <a:pPr marL="0" indent="0">
+              <a:buNone/>
+            </a:pPr>
+            <a:r>
+              <a:rPr lang="pl-PL" dirty="0"/>
+              <a:t>• Przetwarzanie sygnałów – filtrowanie, analiza danych</a:t>
+            </a:r>
+          </a:p>
+          <a:p>
+            <a:pPr marL="0" indent="0">
+              <a:buNone/>
+            </a:pPr>
+            <a:r>
+              <a:rPr lang="pl-PL" dirty="0"/>
+              <a:t>• Grafice komputerowej, np. w procesach </a:t>
+            </a:r>
+            <a:r>
+              <a:rPr lang="pl-PL" dirty="0" err="1"/>
+              <a:t>renderowania</a:t>
+            </a:r>
+            <a:endParaRPr lang="pl-PL" dirty="0"/>
+          </a:p>
+          <a:p>
+            <a:pPr marL="0" indent="0">
+              <a:buNone/>
+            </a:pPr>
+            <a:r>
+              <a:rPr lang="pl-PL" dirty="0"/>
+              <a:t>Oczekuje się, że implementacje te znacząco skrócą czas wykonywania operacji. Eksperymentalne wyniki pokażą, jaka liczba wątków daje optymalne przyspieszenie w zależności od architektury sprzętowej.</a:t>
+            </a:r>
+          </a:p>
+        </p:txBody>
+      </p:sp>
+    </p:spTree>
+    <p:extLst>
+      <p:ext uri="{BB962C8B-B14F-4D97-AF65-F5344CB8AC3E}">
+        <p14:creationId xmlns:p14="http://schemas.microsoft.com/office/powerpoint/2010/main" val="1378852561"/>
+      </p:ext>
+    </p:extLst>
+  </p:cSld>
+  <p:clrMapOvr>
+    <a:masterClrMapping/>
+  </p:clrMapOvr>
+  <mc:AlternateContent xmlns:mc="http://schemas.openxmlformats.org/markup-compatibility/2006" xmlns:p14="http://schemas.microsoft.com/office/powerpoint/2010/main">
+    <mc:Choice Requires="p14">
+      <p:transition spd="med" p14:dur="700">
+        <p:fade/>
+      </p:transition>
+    </mc:Choice>
+    <mc:Fallback xmlns="">
+      <p:transition spd="med">
+        <p:fade/>
+      </p:transition>
+    </mc:Fallback>
+  </mc:AlternateContent>
+</p:sld>
+</file>
+
+<file path=ppt/slides/slide5.xml><?xml version="1.0" encoding="utf-8"?>
+<p:sld xmlns:a="http://schemas.openxmlformats.org/drawingml/2006/main" xmlns:r="http://schemas.openxmlformats.org/officeDocument/2006/relationships" xmlns:p="http://schemas.openxmlformats.org/presentationml/2006/main">
+  <p:cSld>
+    <p:spTree>
+      <p:nvGrpSpPr>
+        <p:cNvPr id="1" name=""/>
+        <p:cNvGrpSpPr/>
+        <p:nvPr/>
+      </p:nvGrpSpPr>
+      <p:grpSpPr>
+        <a:xfrm>
+          <a:off x="0" y="0"/>
+          <a:ext cx="0" cy="0"/>
+          <a:chOff x="0" y="0"/>
+          <a:chExt cx="0" cy="0"/>
+        </a:xfrm>
+      </p:grpSpPr>
+      <p:sp>
+        <p:nvSpPr>
+          <p:cNvPr id="2" name="Tytuł 1">
+            <a:extLst>
+              <a:ext uri="{FF2B5EF4-FFF2-40B4-BE49-F238E27FC236}">
                 <a16:creationId xmlns:a16="http://schemas.microsoft.com/office/drawing/2014/main" id="{A9506C5E-0A4E-A842-16B2-AD93379F57E1}"/>
               </a:ext>
             </a:extLst>
@@ -6894,7 +7036,7 @@
 </p:sld>
 </file>
 
-<file path=ppt/slides/slide5.xml><?xml version="1.0" encoding="utf-8"?>
+<file path=ppt/slides/slide6.xml><?xml version="1.0" encoding="utf-8"?>
 <p:sld xmlns:a="http://schemas.openxmlformats.org/drawingml/2006/main" xmlns:r="http://schemas.openxmlformats.org/officeDocument/2006/relationships" xmlns:p="http://schemas.openxmlformats.org/presentationml/2006/main">
   <p:cSld>
     <p:spTree>
@@ -7537,7 +7679,7 @@
 </p:sld>
 </file>
 
-<file path=ppt/slides/slide6.xml><?xml version="1.0" encoding="utf-8"?>
+<file path=ppt/slides/slide7.xml><?xml version="1.0" encoding="utf-8"?>
 <p:sld xmlns:a="http://schemas.openxmlformats.org/drawingml/2006/main" xmlns:r="http://schemas.openxmlformats.org/officeDocument/2006/relationships" xmlns:p="http://schemas.openxmlformats.org/presentationml/2006/main">
   <p:cSld>
     <p:spTree>
@@ -7737,7 +7879,7 @@
 </p:sld>
 </file>
 
-<file path=ppt/slides/slide7.xml><?xml version="1.0" encoding="utf-8"?>
+<file path=ppt/slides/slide8.xml><?xml version="1.0" encoding="utf-8"?>
 <p:sld xmlns:a="http://schemas.openxmlformats.org/drawingml/2006/main" xmlns:r="http://schemas.openxmlformats.org/officeDocument/2006/relationships" xmlns:p="http://schemas.openxmlformats.org/presentationml/2006/main">
   <p:cSld>
     <p:spTree>

--- a/Semestr 2/Programowanie współbieżne i rozproszone/Projekt_wykład/Prezentacja_cz1.pptx
+++ b/Semestr 2/Programowanie współbieżne i rozproszone/Projekt_wykład/Prezentacja_cz1.pptx
@@ -305,7 +305,7 @@
           <a:p>
             <a:fld id="{67F45AC6-C491-4585-A584-9CE2AF7D5500}" type="datetime1">
               <a:rPr lang="en-US" smtClean="0"/>
-              <a:t>3/12/2025</a:t>
+              <a:t>3/14/2025</a:t>
             </a:fld>
             <a:endParaRPr lang="en-US"/>
           </a:p>
@@ -581,7 +581,7 @@
           <a:p>
             <a:fld id="{67F45AC6-C491-4585-A584-9CE2AF7D5500}" type="datetime1">
               <a:rPr lang="en-US" smtClean="0"/>
-              <a:t>3/12/2025</a:t>
+              <a:t>3/14/2025</a:t>
             </a:fld>
             <a:endParaRPr lang="en-US"/>
           </a:p>
@@ -776,7 +776,7 @@
           <a:p>
             <a:fld id="{67F45AC6-C491-4585-A584-9CE2AF7D5500}" type="datetime1">
               <a:rPr lang="en-US" smtClean="0"/>
-              <a:t>3/12/2025</a:t>
+              <a:t>3/14/2025</a:t>
             </a:fld>
             <a:endParaRPr lang="en-US"/>
           </a:p>
@@ -1050,7 +1050,7 @@
           <a:p>
             <a:fld id="{67F45AC6-C491-4585-A584-9CE2AF7D5500}" type="datetime1">
               <a:rPr lang="en-US" smtClean="0"/>
-              <a:t>3/12/2025</a:t>
+              <a:t>3/14/2025</a:t>
             </a:fld>
             <a:endParaRPr lang="en-US"/>
           </a:p>
@@ -1392,7 +1392,7 @@
           <a:p>
             <a:fld id="{67F45AC6-C491-4585-A584-9CE2AF7D5500}" type="datetime1">
               <a:rPr lang="en-US" smtClean="0"/>
-              <a:t>3/12/2025</a:t>
+              <a:t>3/14/2025</a:t>
             </a:fld>
             <a:endParaRPr lang="en-US"/>
           </a:p>
@@ -2016,7 +2016,7 @@
           <a:p>
             <a:fld id="{67F45AC6-C491-4585-A584-9CE2AF7D5500}" type="datetime1">
               <a:rPr lang="en-US" smtClean="0"/>
-              <a:t>3/12/2025</a:t>
+              <a:t>3/14/2025</a:t>
             </a:fld>
             <a:endParaRPr lang="en-US"/>
           </a:p>
@@ -2877,7 +2877,7 @@
           <a:p>
             <a:fld id="{67F45AC6-C491-4585-A584-9CE2AF7D5500}" type="datetime1">
               <a:rPr lang="en-US" smtClean="0"/>
-              <a:t>3/12/2025</a:t>
+              <a:t>3/14/2025</a:t>
             </a:fld>
             <a:endParaRPr lang="en-US"/>
           </a:p>
@@ -3048,7 +3048,7 @@
           <a:p>
             <a:fld id="{67F45AC6-C491-4585-A584-9CE2AF7D5500}" type="datetime1">
               <a:rPr lang="en-US" smtClean="0"/>
-              <a:t>3/12/2025</a:t>
+              <a:t>3/14/2025</a:t>
             </a:fld>
             <a:endParaRPr lang="en-US"/>
           </a:p>
@@ -3229,7 +3229,7 @@
           <a:p>
             <a:fld id="{67F45AC6-C491-4585-A584-9CE2AF7D5500}" type="datetime1">
               <a:rPr lang="en-US" smtClean="0"/>
-              <a:t>3/12/2025</a:t>
+              <a:t>3/14/2025</a:t>
             </a:fld>
             <a:endParaRPr lang="en-US"/>
           </a:p>
@@ -3400,7 +3400,7 @@
           <a:p>
             <a:fld id="{67F45AC6-C491-4585-A584-9CE2AF7D5500}" type="datetime1">
               <a:rPr lang="en-US" smtClean="0"/>
-              <a:t>3/12/2025</a:t>
+              <a:t>3/14/2025</a:t>
             </a:fld>
             <a:endParaRPr lang="en-US"/>
           </a:p>
@@ -3648,7 +3648,7 @@
           <a:p>
             <a:fld id="{67F45AC6-C491-4585-A584-9CE2AF7D5500}" type="datetime1">
               <a:rPr lang="en-US" smtClean="0"/>
-              <a:t>3/12/2025</a:t>
+              <a:t>3/14/2025</a:t>
             </a:fld>
             <a:endParaRPr lang="en-US"/>
           </a:p>
@@ -3941,7 +3941,7 @@
           <a:p>
             <a:fld id="{67F45AC6-C491-4585-A584-9CE2AF7D5500}" type="datetime1">
               <a:rPr lang="en-US" smtClean="0"/>
-              <a:t>3/12/2025</a:t>
+              <a:t>3/14/2025</a:t>
             </a:fld>
             <a:endParaRPr lang="en-US"/>
           </a:p>
@@ -4386,7 +4386,7 @@
           <a:p>
             <a:fld id="{67F45AC6-C491-4585-A584-9CE2AF7D5500}" type="datetime1">
               <a:rPr lang="en-US" smtClean="0"/>
-              <a:t>3/12/2025</a:t>
+              <a:t>3/14/2025</a:t>
             </a:fld>
             <a:endParaRPr lang="en-US"/>
           </a:p>
@@ -4505,7 +4505,7 @@
           <a:p>
             <a:fld id="{67F45AC6-C491-4585-A584-9CE2AF7D5500}" type="datetime1">
               <a:rPr lang="en-US" smtClean="0"/>
-              <a:t>3/12/2025</a:t>
+              <a:t>3/14/2025</a:t>
             </a:fld>
             <a:endParaRPr lang="en-US"/>
           </a:p>
@@ -4601,7 +4601,7 @@
           <a:p>
             <a:fld id="{67F45AC6-C491-4585-A584-9CE2AF7D5500}" type="datetime1">
               <a:rPr lang="en-US" smtClean="0"/>
-              <a:t>3/12/2025</a:t>
+              <a:t>3/14/2025</a:t>
             </a:fld>
             <a:endParaRPr lang="en-US"/>
           </a:p>
@@ -4881,7 +4881,7 @@
           <a:p>
             <a:fld id="{67F45AC6-C491-4585-A584-9CE2AF7D5500}" type="datetime1">
               <a:rPr lang="en-US" smtClean="0"/>
-              <a:t>3/12/2025</a:t>
+              <a:t>3/14/2025</a:t>
             </a:fld>
             <a:endParaRPr lang="en-US"/>
           </a:p>
@@ -5157,7 +5157,7 @@
           <a:p>
             <a:fld id="{67F45AC6-C491-4585-A584-9CE2AF7D5500}" type="datetime1">
               <a:rPr lang="en-US" smtClean="0"/>
-              <a:t>3/12/2025</a:t>
+              <a:t>3/14/2025</a:t>
             </a:fld>
             <a:endParaRPr lang="en-US"/>
           </a:p>
@@ -5587,7 +5587,7 @@
           <a:p>
             <a:fld id="{67F45AC6-C491-4585-A584-9CE2AF7D5500}" type="datetime1">
               <a:rPr lang="en-US" smtClean="0"/>
-              <a:t>3/12/2025</a:t>
+              <a:t>3/14/2025</a:t>
             </a:fld>
             <a:endParaRPr lang="en-US"/>
           </a:p>
@@ -6202,7 +6202,7 @@
         </p:spPr>
         <p:txBody>
           <a:bodyPr>
-            <a:normAutofit/>
+            <a:normAutofit fontScale="90000"/>
           </a:bodyPr>
           <a:lstStyle/>
           <a:p>
@@ -6212,13 +6212,8 @@
               </a:lnSpc>
             </a:pPr>
             <a:r>
-              <a:rPr lang="pl-PL" sz="5600" b="1" kern="100" dirty="0">
-                <a:effectLst/>
-                <a:latin typeface="Aptos" panose="020B0004020202020204" pitchFamily="34" charset="0"/>
-                <a:ea typeface="Aptos" panose="020B0004020202020204" pitchFamily="34" charset="0"/>
-                <a:cs typeface="Times New Roman" panose="02020603050405020304" pitchFamily="18" charset="0"/>
-              </a:rPr>
-              <a:t>Implementacja Eliminacji Gaussa-Jordana w różnych wariantach</a:t>
+              <a:rPr lang="pl-PL" sz="6000" dirty="0"/>
+              <a:t>Implementacja różnych metod rozwiązywania układów równań liniowych</a:t>
             </a:r>
             <a:endParaRPr lang="pl-PL" sz="5600" dirty="0"/>
           </a:p>
@@ -6532,73 +6527,26 @@
             <p:ph idx="1"/>
           </p:nvPr>
         </p:nvSpPr>
-        <p:spPr/>
+        <p:spPr>
+          <a:xfrm>
+            <a:off x="996364" y="2209801"/>
+            <a:ext cx="10199272" cy="4195481"/>
+          </a:xfrm>
+        </p:spPr>
         <p:txBody>
           <a:bodyPr/>
           <a:lstStyle/>
           <a:p>
             <a:r>
               <a:rPr lang="pl-PL" dirty="0"/>
-              <a:t>Celem mojego projektu jest </a:t>
-            </a:r>
-            <a:r>
-              <a:rPr lang="pl-PL" b="1" dirty="0"/>
-              <a:t>implementacja oraz analiza wydajności metody eliminacji Gaussa-Jordana w różnych wariantach</a:t>
-            </a:r>
-            <a:r>
-              <a:rPr lang="pl-PL" dirty="0"/>
-              <a:t>, aby sprawdzić, która metoda zrównoleglenia jest najbardziej efektywna w zależności od wielkości problemu i liczby wątków.</a:t>
-            </a:r>
-          </a:p>
-        </p:txBody>
-      </p:sp>
-      <p:pic>
-        <p:nvPicPr>
-          <p:cNvPr id="1026" name="Picture 2" descr="Informacje dla studentów - Stud - Metoda eliminacji Gaussa">
-            <a:extLst>
-              <a:ext uri="{FF2B5EF4-FFF2-40B4-BE49-F238E27FC236}">
-                <a16:creationId xmlns:a16="http://schemas.microsoft.com/office/drawing/2014/main" id="{AD87B15F-45F4-AC4F-5632-F6DD0BEAC02B}"/>
-              </a:ext>
-            </a:extLst>
-          </p:cNvPr>
-          <p:cNvPicPr>
-            <a:picLocks noChangeAspect="1" noChangeArrowheads="1"/>
-          </p:cNvPicPr>
-          <p:nvPr/>
-        </p:nvPicPr>
-        <p:blipFill>
-          <a:blip r:embed="rId2">
-            <a:extLst>
-              <a:ext uri="{28A0092B-C50C-407E-A947-70E740481C1C}">
-                <a14:useLocalDpi xmlns:a14="http://schemas.microsoft.com/office/drawing/2010/main" val="0"/>
-              </a:ext>
-            </a:extLst>
-          </a:blip>
-          <a:srcRect/>
-          <a:stretch>
-            <a:fillRect/>
-          </a:stretch>
-        </p:blipFill>
-        <p:spPr bwMode="auto">
-          <a:xfrm>
-            <a:off x="3714750" y="3659262"/>
-            <a:ext cx="4762500" cy="2162175"/>
-          </a:xfrm>
-          <a:prstGeom prst="rect">
-            <a:avLst/>
-          </a:prstGeom>
-          <a:noFill/>
-          <a:extLst>
-            <a:ext uri="{909E8E84-426E-40DD-AFC4-6F175D3DCCD1}">
-              <a14:hiddenFill xmlns:a14="http://schemas.microsoft.com/office/drawing/2010/main">
-                <a:solidFill>
-                  <a:srgbClr val="FFFFFF"/>
-                </a:solidFill>
-              </a14:hiddenFill>
-            </a:ext>
-          </a:extLst>
-        </p:spPr>
-      </p:pic>
+              <a:t>Celem projektu jest implementacja oraz analiza wydajności różnych metod rozwiązywania układów równań liniowych w wersji sekwencyjnej, współbieżnej i równoległej, w celu określenia najbardziej efektywnego podejścia pod kątem szybkości i skalowalności.</a:t>
+            </a:r>
+          </a:p>
+          <a:p>
+            <a:endParaRPr lang="pl-PL" dirty="0"/>
+          </a:p>
+        </p:txBody>
+      </p:sp>
     </p:spTree>
     <p:extLst>
       <p:ext uri="{BB962C8B-B14F-4D97-AF65-F5344CB8AC3E}">
@@ -6687,45 +6635,74 @@
           <a:p>
             <a:r>
               <a:rPr lang="pl-PL" b="1" dirty="0"/>
-              <a:t>Eliminacja Gaussa-Jordana – co to jest?</a:t>
+              <a:t>Metoda eliminacji Gaussa-Jordana:</a:t>
             </a:r>
             <a:br>
               <a:rPr lang="pl-PL" dirty="0"/>
             </a:br>
             <a:r>
               <a:rPr lang="pl-PL" dirty="0"/>
-              <a:t>Eliminacja Gaussa-Jordana to metoda przekształcenia macierzy układu równań liniowych do postaci jednostkowej, co pozwala na łatwe wyznaczenie rozwiązań.</a:t>
+              <a:t>Przekształca macierz do postaci jednostkowej (O(n³)) oraz umożliwia równoległość przy przetwarzaniu wierszy</a:t>
             </a:r>
           </a:p>
           <a:p>
             <a:r>
               <a:rPr lang="pl-PL" b="1" dirty="0"/>
-              <a:t>Charakterystyka algorytmu:</a:t>
+              <a:t>Metoda Gaussa-</a:t>
+            </a:r>
+            <a:r>
+              <a:rPr lang="pl-PL" b="1" dirty="0" err="1"/>
+              <a:t>Seidela</a:t>
+            </a:r>
+            <a:r>
+              <a:rPr lang="pl-PL" b="1" dirty="0"/>
+              <a:t>:</a:t>
             </a:r>
             <a:br>
               <a:rPr lang="pl-PL" dirty="0"/>
             </a:br>
             <a:r>
               <a:rPr lang="pl-PL" dirty="0"/>
-              <a:t>1.Normalizacja wiersza głównego – dzielenie wiersza przez wartość osiowego elementu, aby uzyskać wartość 1 w przekątnej macierzy. 2.Eliminacja elementów pozostałych w kolumnie – zerowanie wszystkich innych elementów w kolumnie osiowego elementu. 3.Powtórzenie operacji dla kolejnych kolumn aż do uzyskania macierzy jednostkowej w przypadku macierzy kwadratowej lub jej rozszerzonej wersji dla układów równań.</a:t>
+              <a:t>Jest to metoda iteracyjna, która szybciej </a:t>
+            </a:r>
+            <a:r>
+              <a:rPr lang="pl-PL" dirty="0" err="1"/>
+              <a:t>konwerguje</a:t>
+            </a:r>
+            <a:r>
+              <a:rPr lang="pl-PL" dirty="0"/>
+              <a:t> dla układów rzadkich (O(n²)). Metoda ta umożliwia zrównoleglenia dla różnych wierszy w iteracji</a:t>
             </a:r>
           </a:p>
           <a:p>
             <a:r>
               <a:rPr lang="pl-PL" b="1" dirty="0"/>
-              <a:t>Złożoność czasowa:</a:t>
+              <a:t>Metoda Jacobiego:</a:t>
             </a:r>
             <a:br>
               <a:rPr lang="pl-PL" dirty="0"/>
             </a:br>
             <a:r>
-              <a:rPr lang="pl-PL" b="1" dirty="0"/>
-              <a:t>O(n³)</a:t>
-            </a:r>
-            <a:r>
               <a:rPr lang="pl-PL" dirty="0"/>
-              <a:t> – oznacza, że dla dużych układów równań obliczenia są bardzo kosztowne czasowo.</a:t>
-            </a:r>
+              <a:t>Jest to również metoda iteracyjna z tą różnicą, że ma inny sposób aktualizacji wartości zmiennych w kolejnych iteracjach (na koniec iteracji, gdzie metoda Gaussa-</a:t>
+            </a:r>
+            <a:r>
+              <a:rPr lang="pl-PL" dirty="0" err="1"/>
+              <a:t>Seidela</a:t>
+            </a:r>
+            <a:r>
+              <a:rPr lang="pl-PL" dirty="0"/>
+              <a:t> robi to od razu)</a:t>
+            </a:r>
+          </a:p>
+          <a:p>
+            <a:pPr marL="0" indent="0">
+              <a:buNone/>
+            </a:pPr>
+            <a:br>
+              <a:rPr lang="pl-PL" dirty="0"/>
+            </a:br>
+            <a:endParaRPr lang="pl-PL" dirty="0"/>
           </a:p>
         </p:txBody>
       </p:sp>
@@ -6815,55 +6792,205 @@
             <p:ph idx="1"/>
           </p:nvPr>
         </p:nvSpPr>
-        <p:spPr/>
-        <p:txBody>
-          <a:bodyPr/>
+        <p:spPr>
+          <a:xfrm>
+            <a:off x="1103312" y="1304144"/>
+            <a:ext cx="8946541" cy="4944255"/>
+          </a:xfrm>
+        </p:spPr>
+        <p:txBody>
+          <a:bodyPr>
+            <a:normAutofit fontScale="85000" lnSpcReduction="20000"/>
+          </a:bodyPr>
           <a:lstStyle/>
           <a:p>
             <a:r>
+              <a:rPr lang="pl-PL" b="1" dirty="0"/>
+              <a:t>Obliczenia inżynierskie i naukowe</a:t>
+            </a:r>
+          </a:p>
+          <a:p>
+            <a:pPr>
+              <a:buNone/>
+            </a:pPr>
+            <a:r>
               <a:rPr lang="pl-PL" dirty="0"/>
-              <a:t>Implementacja eliminacji Gaussa-Jordana znajdzie zastosowanie w: </a:t>
-            </a:r>
-          </a:p>
-          <a:p>
-            <a:pPr marL="0" indent="0">
+              <a:t> 	</a:t>
+            </a:r>
+            <a:r>
+              <a:rPr lang="pl-PL" b="1" dirty="0"/>
+              <a:t>🔹</a:t>
+            </a:r>
+            <a:r>
+              <a:rPr lang="pl-PL" dirty="0"/>
+              <a:t> </a:t>
+            </a:r>
+            <a:r>
+              <a:rPr lang="pl-PL" b="1" dirty="0"/>
+              <a:t>Symulacje fizyczne</a:t>
+            </a:r>
+            <a:r>
+              <a:rPr lang="pl-PL" dirty="0"/>
+              <a:t> – np. w mechanice płynów, analizie strukturalnej, modelowaniu </a:t>
+            </a:r>
+            <a:r>
+              <a:rPr lang="pl-PL" dirty="0" err="1"/>
+              <a:t>zachowań</a:t>
+            </a:r>
+            <a:r>
+              <a:rPr lang="pl-PL" dirty="0"/>
+              <a:t> materiałów</a:t>
+            </a:r>
+            <a:br>
+              <a:rPr lang="pl-PL" dirty="0"/>
+            </a:br>
+            <a:r>
+              <a:rPr lang="pl-PL" b="1" dirty="0"/>
+              <a:t>🔹</a:t>
+            </a:r>
+            <a:r>
+              <a:rPr lang="pl-PL" dirty="0"/>
+              <a:t> </a:t>
+            </a:r>
+            <a:r>
+              <a:rPr lang="pl-PL" b="1" dirty="0"/>
+              <a:t>Analiza obwodów elektrycznych</a:t>
+            </a:r>
+            <a:r>
+              <a:rPr lang="pl-PL" dirty="0"/>
+              <a:t> – układy równań występują w analizie sieci elektrycznych</a:t>
+            </a:r>
+            <a:br>
+              <a:rPr lang="pl-PL" dirty="0"/>
+            </a:br>
+            <a:r>
+              <a:rPr lang="pl-PL" b="1" dirty="0"/>
+              <a:t>🔹</a:t>
+            </a:r>
+            <a:r>
+              <a:rPr lang="pl-PL" dirty="0"/>
+              <a:t> </a:t>
+            </a:r>
+            <a:r>
+              <a:rPr lang="pl-PL" b="1" dirty="0"/>
+              <a:t>Mechanika i inżynieria konstrukcyjna</a:t>
+            </a:r>
+            <a:r>
+              <a:rPr lang="pl-PL" dirty="0"/>
+              <a:t> – analiza </a:t>
+            </a:r>
+            <a:r>
+              <a:rPr lang="pl-PL" dirty="0" err="1"/>
+              <a:t>naprężeń</a:t>
+            </a:r>
+            <a:r>
+              <a:rPr lang="pl-PL" dirty="0"/>
+              <a:t> i odkształceń</a:t>
+            </a:r>
+          </a:p>
+          <a:p>
+            <a:r>
+              <a:rPr lang="pl-PL" b="1" dirty="0"/>
+              <a:t> Uczenie maszynowe i analiza danych</a:t>
+            </a:r>
+          </a:p>
+          <a:p>
+            <a:pPr>
               <a:buNone/>
             </a:pPr>
             <a:r>
+              <a:rPr lang="pl-PL" b="1" dirty="0"/>
+              <a:t>	🔹 Przetwarzanie danych wielowymiarowych</a:t>
+            </a:r>
+            <a:r>
               <a:rPr lang="pl-PL" dirty="0"/>
-              <a:t>• Obliczeniach inżynierskich wymagających rozwiązania dużych układów równań (np. Matematyka stosowana czy uczenie maszynowe)</a:t>
-            </a:r>
-          </a:p>
-          <a:p>
-            <a:pPr marL="0" indent="0">
+              <a:t> – metody numeryczne są wykorzystywane np. w analizie regresji i modelach predykcyjnych</a:t>
+            </a:r>
+            <a:br>
+              <a:rPr lang="pl-PL" dirty="0"/>
+            </a:br>
+            <a:r>
+              <a:rPr lang="pl-PL" b="1" dirty="0"/>
+              <a:t>🔹 Sztuczna inteligencja (AI)</a:t>
+            </a:r>
+            <a:r>
+              <a:rPr lang="pl-PL" dirty="0"/>
+              <a:t> – np. w algorytmach związanych z optymalizacją i trenowaniem modeli</a:t>
+            </a:r>
+            <a:br>
+              <a:rPr lang="pl-PL" dirty="0"/>
+            </a:br>
+            <a:r>
+              <a:rPr lang="pl-PL" b="1" dirty="0"/>
+              <a:t>🔹</a:t>
+            </a:r>
+            <a:r>
+              <a:rPr lang="pl-PL" dirty="0"/>
+              <a:t> </a:t>
+            </a:r>
+            <a:r>
+              <a:rPr lang="pl-PL" b="1" dirty="0"/>
+              <a:t>Wizja komputerowa i grafika 3D</a:t>
+            </a:r>
+            <a:r>
+              <a:rPr lang="pl-PL" dirty="0"/>
+              <a:t> – np. transformacje geometryczne, analiza obrazu</a:t>
+            </a:r>
+          </a:p>
+          <a:p>
+            <a:r>
+              <a:rPr lang="pl-PL" b="1" dirty="0"/>
+              <a:t>Grafika komputerowa i przetwarzanie obrazu</a:t>
+            </a:r>
+          </a:p>
+          <a:p>
+            <a:pPr>
               <a:buNone/>
             </a:pPr>
             <a:r>
+              <a:rPr lang="pl-PL" b="1" dirty="0"/>
+              <a:t>	🔹</a:t>
+            </a:r>
+            <a:r>
               <a:rPr lang="pl-PL" dirty="0"/>
-              <a:t>• Przetwarzanie sygnałów – filtrowanie, analiza danych</a:t>
-            </a:r>
-          </a:p>
-          <a:p>
-            <a:pPr marL="0" indent="0">
-              <a:buNone/>
-            </a:pPr>
+              <a:t> </a:t>
+            </a:r>
+            <a:r>
+              <a:rPr lang="pl-PL" b="1" dirty="0" err="1"/>
+              <a:t>Renderowanie</a:t>
+            </a:r>
+            <a:r>
+              <a:rPr lang="pl-PL" b="1" dirty="0"/>
+              <a:t> scen 3D</a:t>
+            </a:r>
             <a:r>
               <a:rPr lang="pl-PL" dirty="0"/>
-              <a:t>• Grafice komputerowej, np. w procesach </a:t>
-            </a:r>
-            <a:r>
-              <a:rPr lang="pl-PL" dirty="0" err="1"/>
-              <a:t>renderowania</a:t>
-            </a:r>
-            <a:endParaRPr lang="pl-PL" dirty="0"/>
-          </a:p>
-          <a:p>
-            <a:pPr marL="0" indent="0">
-              <a:buNone/>
-            </a:pPr>
-            <a:r>
+              <a:t> – operacje macierzowe są wykorzystywane do transformacji obiektów</a:t>
+            </a:r>
+            <a:br>
               <a:rPr lang="pl-PL" dirty="0"/>
-              <a:t>Oczekuje się, że implementacje te znacząco skrócą czas wykonywania operacji. Eksperymentalne wyniki pokażą, jaka liczba wątków daje optymalne przyspieszenie w zależności od architektury sprzętowej.</a:t>
+            </a:br>
+            <a:r>
+              <a:rPr lang="pl-PL" b="1" dirty="0"/>
+              <a:t>🔹</a:t>
+            </a:r>
+            <a:r>
+              <a:rPr lang="pl-PL" dirty="0"/>
+              <a:t> </a:t>
+            </a:r>
+            <a:r>
+              <a:rPr lang="pl-PL" b="1" dirty="0"/>
+              <a:t>Efekty wizualne i filtrowanie obrazu</a:t>
+            </a:r>
+            <a:r>
+              <a:rPr lang="pl-PL" dirty="0"/>
+              <a:t> – np. filtry wideo i przekształcenia przestrzenne</a:t>
+            </a:r>
+          </a:p>
+          <a:p>
+            <a:r>
+              <a:rPr lang="pl-PL" b="1" dirty="0"/>
+              <a:t>Kryptografia i kompresja danych</a:t>
             </a:r>
           </a:p>
         </p:txBody>
@@ -6954,9 +7081,16 @@
             <p:ph idx="1"/>
           </p:nvPr>
         </p:nvSpPr>
-        <p:spPr/>
-        <p:txBody>
-          <a:bodyPr/>
+        <p:spPr>
+          <a:xfrm>
+            <a:off x="1103312" y="1853248"/>
+            <a:ext cx="8946541" cy="4395151"/>
+          </a:xfrm>
+        </p:spPr>
+        <p:txBody>
+          <a:bodyPr>
+            <a:normAutofit/>
+          </a:bodyPr>
           <a:lstStyle/>
           <a:p>
             <a:pPr marL="0" indent="0">
@@ -6964,16 +7098,19 @@
             </a:pPr>
             <a:r>
               <a:rPr lang="pl-PL" dirty="0"/>
-              <a:t>🔹 Sekwencyjna (C++) – pętla for przetwarzająca wiersze jeden po drugim </a:t>
-            </a:r>
-          </a:p>
-          <a:p>
-            <a:pPr marL="0" indent="0">
-              <a:buNone/>
-            </a:pPr>
+              <a:t>Każda metoda będzie miała trzy wersje: </a:t>
+            </a:r>
+          </a:p>
+          <a:p>
             <a:r>
               <a:rPr lang="pl-PL" dirty="0"/>
-              <a:t>🔹 Współbieżna (</a:t>
+              <a:t>Sekwencyjna (C++) – podstawowa implementacja </a:t>
+            </a:r>
+          </a:p>
+          <a:p>
+            <a:r>
+              <a:rPr lang="pl-PL" dirty="0"/>
+              <a:t>Współbieżna (</a:t>
             </a:r>
             <a:r>
               <a:rPr lang="pl-PL" dirty="0" err="1"/>
@@ -6989,16 +7126,13 @@
             </a:r>
             <a:r>
               <a:rPr lang="pl-PL" dirty="0"/>
-              <a:t>) – przypisanie wątków do operacji na różnych wierszach </a:t>
-            </a:r>
-          </a:p>
-          <a:p>
-            <a:pPr marL="0" indent="0">
-              <a:buNone/>
-            </a:pPr>
+              <a:t>) – przydział obliczeń do kilku wątków </a:t>
+            </a:r>
+          </a:p>
+          <a:p>
             <a:r>
               <a:rPr lang="pl-PL" dirty="0"/>
-              <a:t>🔹 </a:t>
+              <a:t>Równoległa (</a:t>
             </a:r>
             <a:r>
               <a:rPr lang="pl-PL" dirty="0" err="1"/>
@@ -7006,7 +7140,34 @@
             </a:r>
             <a:r>
               <a:rPr lang="pl-PL" dirty="0"/>
-              <a:t> – automatyczne rozdzielanie operacji wierszowych na wiele rdzeni</a:t>
+              <a:t>) – podział operacji na wiele rdzeni </a:t>
+            </a:r>
+          </a:p>
+          <a:p>
+            <a:pPr marL="0" indent="0">
+              <a:buNone/>
+            </a:pPr>
+            <a:r>
+              <a:rPr lang="pl-PL" dirty="0"/>
+              <a:t>Które metody lepiej nadają się do równoległości? </a:t>
+            </a:r>
+          </a:p>
+          <a:p>
+            <a:r>
+              <a:rPr lang="pl-PL" dirty="0"/>
+              <a:t>Gauss-Jordan średnio nadaje się do równoległości (zależności między wierszami) </a:t>
+            </a:r>
+          </a:p>
+          <a:p>
+            <a:r>
+              <a:rPr lang="pl-PL" dirty="0"/>
+              <a:t>Gauss-Seidel lepiej nadaje się do współbieżności (ale wymaga synchronizacji) </a:t>
+            </a:r>
+          </a:p>
+          <a:p>
+            <a:r>
+              <a:rPr lang="pl-PL" dirty="0"/>
+              <a:t>Jacobi idealnie nadaje się do równoległości, bo iteracje są niezależne</a:t>
             </a:r>
           </a:p>
         </p:txBody>
@@ -7117,254 +7278,6 @@
           </a:p>
         </p:txBody>
       </p:sp>
-      <p:graphicFrame>
-        <p:nvGraphicFramePr>
-          <p:cNvPr id="5" name="Tabela 4">
-            <a:extLst>
-              <a:ext uri="{FF2B5EF4-FFF2-40B4-BE49-F238E27FC236}">
-                <a16:creationId xmlns:a16="http://schemas.microsoft.com/office/drawing/2014/main" id="{4C10686A-BB0C-401F-1B74-F4275DF38DA0}"/>
-              </a:ext>
-            </a:extLst>
-          </p:cNvPr>
-          <p:cNvGraphicFramePr>
-            <a:graphicFrameLocks noGrp="1"/>
-          </p:cNvGraphicFramePr>
-          <p:nvPr>
-            <p:extLst>
-              <p:ext uri="{D42A27DB-BD31-4B8C-83A1-F6EECF244321}">
-                <p14:modId xmlns:p14="http://schemas.microsoft.com/office/powerpoint/2010/main" val="1262163819"/>
-              </p:ext>
-            </p:extLst>
-          </p:nvPr>
-        </p:nvGraphicFramePr>
-        <p:xfrm>
-          <a:off x="1512582" y="2581597"/>
-          <a:ext cx="8128000" cy="2225040"/>
-        </p:xfrm>
-        <a:graphic>
-          <a:graphicData uri="http://schemas.openxmlformats.org/drawingml/2006/table">
-            <a:tbl>
-              <a:tblPr firstRow="1" bandRow="1">
-                <a:tableStyleId>{00A15C55-8517-42AA-B614-E9B94910E393}</a:tableStyleId>
-              </a:tblPr>
-              <a:tblGrid>
-                <a:gridCol w="4064000">
-                  <a:extLst>
-                    <a:ext uri="{9D8B030D-6E8A-4147-A177-3AD203B41FA5}">
-                      <a16:colId xmlns:a16="http://schemas.microsoft.com/office/drawing/2014/main" val="430993926"/>
-                    </a:ext>
-                  </a:extLst>
-                </a:gridCol>
-                <a:gridCol w="4064000">
-                  <a:extLst>
-                    <a:ext uri="{9D8B030D-6E8A-4147-A177-3AD203B41FA5}">
-                      <a16:colId xmlns:a16="http://schemas.microsoft.com/office/drawing/2014/main" val="1286332549"/>
-                    </a:ext>
-                  </a:extLst>
-                </a:gridCol>
-              </a:tblGrid>
-              <a:tr h="370840">
-                <a:tc>
-                  <a:txBody>
-                    <a:bodyPr/>
-                    <a:lstStyle/>
-                    <a:p>
-                      <a:r>
-                        <a:rPr lang="pl-PL" dirty="0"/>
-                        <a:t>Wymiar (n)</a:t>
-                      </a:r>
-                    </a:p>
-                  </a:txBody>
-                  <a:tcPr anchor="ctr"/>
-                </a:tc>
-                <a:tc>
-                  <a:txBody>
-                    <a:bodyPr/>
-                    <a:lstStyle/>
-                    <a:p>
-                      <a:r>
-                        <a:rPr lang="pl-PL" dirty="0"/>
-                        <a:t>Czas obliczeń (sekundy)</a:t>
-                      </a:r>
-                    </a:p>
-                  </a:txBody>
-                  <a:tcPr/>
-                </a:tc>
-                <a:extLst>
-                  <a:ext uri="{0D108BD9-81ED-4DB2-BD59-A6C34878D82A}">
-                    <a16:rowId xmlns:a16="http://schemas.microsoft.com/office/drawing/2014/main" val="1006455301"/>
-                  </a:ext>
-                </a:extLst>
-              </a:tr>
-              <a:tr h="370840">
-                <a:tc>
-                  <a:txBody>
-                    <a:bodyPr/>
-                    <a:lstStyle/>
-                    <a:p>
-                      <a:r>
-                        <a:rPr lang="pl-PL" dirty="0"/>
-                        <a:t>10</a:t>
-                      </a:r>
-                    </a:p>
-                  </a:txBody>
-                  <a:tcPr/>
-                </a:tc>
-                <a:tc>
-                  <a:txBody>
-                    <a:bodyPr/>
-                    <a:lstStyle/>
-                    <a:p>
-                      <a:r>
-                        <a:rPr lang="pl-PL" dirty="0"/>
-                        <a:t>0.0001</a:t>
-                      </a:r>
-                    </a:p>
-                  </a:txBody>
-                  <a:tcPr/>
-                </a:tc>
-                <a:extLst>
-                  <a:ext uri="{0D108BD9-81ED-4DB2-BD59-A6C34878D82A}">
-                    <a16:rowId xmlns:a16="http://schemas.microsoft.com/office/drawing/2014/main" val="53107904"/>
-                  </a:ext>
-                </a:extLst>
-              </a:tr>
-              <a:tr h="370840">
-                <a:tc>
-                  <a:txBody>
-                    <a:bodyPr/>
-                    <a:lstStyle/>
-                    <a:p>
-                      <a:r>
-                        <a:rPr lang="pl-PL" dirty="0"/>
-                        <a:t>50</a:t>
-                      </a:r>
-                    </a:p>
-                  </a:txBody>
-                  <a:tcPr/>
-                </a:tc>
-                <a:tc>
-                  <a:txBody>
-                    <a:bodyPr/>
-                    <a:lstStyle/>
-                    <a:p>
-                      <a:r>
-                        <a:rPr lang="pl-PL" dirty="0"/>
-                        <a:t>0.0023</a:t>
-                      </a:r>
-                    </a:p>
-                  </a:txBody>
-                  <a:tcPr anchor="ctr"/>
-                </a:tc>
-                <a:extLst>
-                  <a:ext uri="{0D108BD9-81ED-4DB2-BD59-A6C34878D82A}">
-                    <a16:rowId xmlns:a16="http://schemas.microsoft.com/office/drawing/2014/main" val="4243286466"/>
-                  </a:ext>
-                </a:extLst>
-              </a:tr>
-              <a:tr h="370840">
-                <a:tc>
-                  <a:txBody>
-                    <a:bodyPr/>
-                    <a:lstStyle/>
-                    <a:p>
-                      <a:r>
-                        <a:rPr lang="pl-PL" dirty="0"/>
-                        <a:t>100</a:t>
-                      </a:r>
-                    </a:p>
-                  </a:txBody>
-                  <a:tcPr/>
-                </a:tc>
-                <a:tc>
-                  <a:txBody>
-                    <a:bodyPr/>
-                    <a:lstStyle/>
-                    <a:p>
-                      <a:r>
-                        <a:rPr lang="pl-PL" dirty="0"/>
-                        <a:t>0.0124</a:t>
-                      </a:r>
-                    </a:p>
-                  </a:txBody>
-                  <a:tcPr/>
-                </a:tc>
-                <a:extLst>
-                  <a:ext uri="{0D108BD9-81ED-4DB2-BD59-A6C34878D82A}">
-                    <a16:rowId xmlns:a16="http://schemas.microsoft.com/office/drawing/2014/main" val="2207898833"/>
-                  </a:ext>
-                </a:extLst>
-              </a:tr>
-              <a:tr h="370840">
-                <a:tc>
-                  <a:txBody>
-                    <a:bodyPr/>
-                    <a:lstStyle/>
-                    <a:p>
-                      <a:r>
-                        <a:rPr lang="pl-PL" dirty="0"/>
-                        <a:t>1000</a:t>
-                      </a:r>
-                    </a:p>
-                  </a:txBody>
-                  <a:tcPr/>
-                </a:tc>
-                <a:tc>
-                  <a:txBody>
-                    <a:bodyPr/>
-                    <a:lstStyle/>
-                    <a:p>
-                      <a:r>
-                        <a:rPr lang="pl-PL" dirty="0"/>
-                        <a:t>1.5231</a:t>
-                      </a:r>
-                    </a:p>
-                  </a:txBody>
-                  <a:tcPr/>
-                </a:tc>
-                <a:extLst>
-                  <a:ext uri="{0D108BD9-81ED-4DB2-BD59-A6C34878D82A}">
-                    <a16:rowId xmlns:a16="http://schemas.microsoft.com/office/drawing/2014/main" val="2490331223"/>
-                  </a:ext>
-                </a:extLst>
-              </a:tr>
-              <a:tr h="370840">
-                <a:tc>
-                  <a:txBody>
-                    <a:bodyPr/>
-                    <a:lstStyle/>
-                    <a:p>
-                      <a:r>
-                        <a:rPr lang="pl-PL" dirty="0"/>
-                        <a:t>10 000</a:t>
-                      </a:r>
-                    </a:p>
-                  </a:txBody>
-                  <a:tcPr/>
-                </a:tc>
-                <a:tc>
-                  <a:txBody>
-                    <a:bodyPr/>
-                    <a:lstStyle/>
-                    <a:p>
-                      <a:r>
-                        <a:rPr lang="pl-PL" dirty="0"/>
-                        <a:t>305.431</a:t>
-                      </a:r>
-                    </a:p>
-                  </a:txBody>
-                  <a:tcPr/>
-                </a:tc>
-                <a:extLst>
-                  <a:ext uri="{0D108BD9-81ED-4DB2-BD59-A6C34878D82A}">
-                    <a16:rowId xmlns:a16="http://schemas.microsoft.com/office/drawing/2014/main" val="2170085957"/>
-                  </a:ext>
-                </a:extLst>
-              </a:tr>
-            </a:tbl>
-          </a:graphicData>
-        </a:graphic>
-      </p:graphicFrame>
       <p:sp>
         <p:nvSpPr>
           <p:cNvPr id="6" name="Symbol zastępczy zawartości 2">
@@ -7381,7 +7294,7 @@
         </p:nvSpPr>
         <p:spPr>
           <a:xfrm>
-            <a:off x="1103311" y="4999384"/>
+            <a:off x="1103311" y="4684591"/>
             <a:ext cx="8946541" cy="1400531"/>
           </a:xfrm>
           <a:prstGeom prst="rect">
@@ -7390,7 +7303,7 @@
         </p:spPr>
         <p:txBody>
           <a:bodyPr vert="horz" lIns="91440" tIns="45720" rIns="91440" bIns="45720" rtlCol="0">
-            <a:normAutofit/>
+            <a:normAutofit fontScale="92500" lnSpcReduction="10000"/>
           </a:bodyPr>
           <a:lstStyle>
             <a:lvl1pPr marL="342900" indent="-342900" algn="l" defTabSz="457200" rtl="0" eaLnBrk="1" latinLnBrk="0" hangingPunct="1">
@@ -7620,40 +7533,388 @@
             </a:lvl9pPr>
           </a:lstStyle>
           <a:p>
-            <a:pPr marL="0" indent="0">
-              <a:buFont typeface="Wingdings 3" charset="2"/>
+            <a:pPr>
               <a:buNone/>
             </a:pPr>
             <a:r>
               <a:rPr lang="pl-PL" b="1" dirty="0"/>
               <a:t>Obserwacje:</a:t>
             </a:r>
-            <a:br>
+            <a:endParaRPr lang="pl-PL" dirty="0"/>
+          </a:p>
+          <a:p>
+            <a:pPr>
+              <a:buFont typeface="Arial" panose="020B0604020202020204" pitchFamily="34" charset="0"/>
+              <a:buChar char="•"/>
+            </a:pPr>
+            <a:r>
               <a:rPr lang="pl-PL" dirty="0"/>
-            </a:br>
+              <a:t>Gauss-Jordan rośnie najszybciej (O(n³)) → idealny do dużych macierzy</a:t>
+            </a:r>
+          </a:p>
+          <a:p>
+            <a:pPr>
+              <a:buFont typeface="Arial" panose="020B0604020202020204" pitchFamily="34" charset="0"/>
+              <a:buChar char="•"/>
+            </a:pPr>
             <a:r>
               <a:rPr lang="pl-PL" dirty="0"/>
-              <a:t>- Czas rośnie </a:t>
-            </a:r>
-            <a:r>
-              <a:rPr lang="pl-PL" b="1" dirty="0"/>
-              <a:t>w tempie n³</a:t>
-            </a:r>
-            <a:br>
-              <a:rPr lang="pl-PL" dirty="0"/>
-            </a:br>
-            <a:r>
-              <a:rPr lang="pl-PL" dirty="0"/>
-              <a:t>- Konieczność </a:t>
-            </a:r>
-            <a:r>
-              <a:rPr lang="pl-PL" b="1" dirty="0"/>
-              <a:t>optymalizacji za pomocą równoległości</a:t>
+              <a:t>Gauss-Seidel i Jacobi lepsze dla dużych układów → mogą szybciej </a:t>
+            </a:r>
+            <a:r>
+              <a:rPr lang="pl-PL" dirty="0" err="1"/>
+              <a:t>konwergować</a:t>
             </a:r>
             <a:endParaRPr lang="pl-PL" dirty="0"/>
           </a:p>
         </p:txBody>
       </p:sp>
+      <p:graphicFrame>
+        <p:nvGraphicFramePr>
+          <p:cNvPr id="4" name="Tabela 3">
+            <a:extLst>
+              <a:ext uri="{FF2B5EF4-FFF2-40B4-BE49-F238E27FC236}">
+                <a16:creationId xmlns:a16="http://schemas.microsoft.com/office/drawing/2014/main" id="{47610F48-DE51-0563-873E-352E6C7C081F}"/>
+              </a:ext>
+            </a:extLst>
+          </p:cNvPr>
+          <p:cNvGraphicFramePr>
+            <a:graphicFrameLocks noGrp="1"/>
+          </p:cNvGraphicFramePr>
+          <p:nvPr>
+            <p:extLst>
+              <p:ext uri="{D42A27DB-BD31-4B8C-83A1-F6EECF244321}">
+                <p14:modId xmlns:p14="http://schemas.microsoft.com/office/powerpoint/2010/main" val="3022723517"/>
+              </p:ext>
+            </p:extLst>
+          </p:nvPr>
+        </p:nvGraphicFramePr>
+        <p:xfrm>
+          <a:off x="1567656" y="2624232"/>
+          <a:ext cx="9056688" cy="1752600"/>
+        </p:xfrm>
+        <a:graphic>
+          <a:graphicData uri="http://schemas.openxmlformats.org/drawingml/2006/table">
+            <a:tbl>
+              <a:tblPr firstRow="1" bandRow="1">
+                <a:tableStyleId>{00A15C55-8517-42AA-B614-E9B94910E393}</a:tableStyleId>
+              </a:tblPr>
+              <a:tblGrid>
+                <a:gridCol w="3018896">
+                  <a:extLst>
+                    <a:ext uri="{9D8B030D-6E8A-4147-A177-3AD203B41FA5}">
+                      <a16:colId xmlns:a16="http://schemas.microsoft.com/office/drawing/2014/main" val="2435999148"/>
+                    </a:ext>
+                  </a:extLst>
+                </a:gridCol>
+                <a:gridCol w="3018896">
+                  <a:extLst>
+                    <a:ext uri="{9D8B030D-6E8A-4147-A177-3AD203B41FA5}">
+                      <a16:colId xmlns:a16="http://schemas.microsoft.com/office/drawing/2014/main" val="2291831841"/>
+                    </a:ext>
+                  </a:extLst>
+                </a:gridCol>
+                <a:gridCol w="3018896">
+                  <a:extLst>
+                    <a:ext uri="{9D8B030D-6E8A-4147-A177-3AD203B41FA5}">
+                      <a16:colId xmlns:a16="http://schemas.microsoft.com/office/drawing/2014/main" val="590275170"/>
+                    </a:ext>
+                  </a:extLst>
+                </a:gridCol>
+              </a:tblGrid>
+              <a:tr h="370840">
+                <a:tc>
+                  <a:txBody>
+                    <a:bodyPr/>
+                    <a:lstStyle/>
+                    <a:p>
+                      <a:r>
+                        <a:rPr lang="pl-PL" dirty="0"/>
+                        <a:t>Metoda</a:t>
+                      </a:r>
+                    </a:p>
+                  </a:txBody>
+                  <a:tcPr/>
+                </a:tc>
+                <a:tc>
+                  <a:txBody>
+                    <a:bodyPr/>
+                    <a:lstStyle/>
+                    <a:p>
+                      <a:pPr marL="0" marR="0" lvl="0" indent="0" algn="l" defTabSz="457200" rtl="0" eaLnBrk="1" fontAlgn="auto" latinLnBrk="0" hangingPunct="1">
+                        <a:lnSpc>
+                          <a:spcPct val="100000"/>
+                        </a:lnSpc>
+                        <a:spcBef>
+                          <a:spcPts val="0"/>
+                        </a:spcBef>
+                        <a:spcAft>
+                          <a:spcPts val="0"/>
+                        </a:spcAft>
+                        <a:buClrTx/>
+                        <a:buSzTx/>
+                        <a:buFontTx/>
+                        <a:buNone/>
+                        <a:tabLst/>
+                        <a:defRPr/>
+                      </a:pPr>
+                      <a:r>
+                        <a:rPr lang="pl-PL" dirty="0"/>
+                        <a:t>Wymiar (n)</a:t>
+                      </a:r>
+                    </a:p>
+                  </a:txBody>
+                  <a:tcPr/>
+                </a:tc>
+                <a:tc>
+                  <a:txBody>
+                    <a:bodyPr/>
+                    <a:lstStyle/>
+                    <a:p>
+                      <a:pPr marL="0" marR="0" lvl="0" indent="0" algn="l" defTabSz="457200" rtl="0" eaLnBrk="1" fontAlgn="auto" latinLnBrk="0" hangingPunct="1">
+                        <a:lnSpc>
+                          <a:spcPct val="100000"/>
+                        </a:lnSpc>
+                        <a:spcBef>
+                          <a:spcPts val="0"/>
+                        </a:spcBef>
+                        <a:spcAft>
+                          <a:spcPts val="0"/>
+                        </a:spcAft>
+                        <a:buClrTx/>
+                        <a:buSzTx/>
+                        <a:buFontTx/>
+                        <a:buNone/>
+                        <a:tabLst/>
+                        <a:defRPr/>
+                      </a:pPr>
+                      <a:r>
+                        <a:rPr lang="pl-PL" dirty="0"/>
+                        <a:t>Czas obliczeń (sekundy)</a:t>
+                      </a:r>
+                    </a:p>
+                    <a:p>
+                      <a:endParaRPr lang="pl-PL" dirty="0"/>
+                    </a:p>
+                  </a:txBody>
+                  <a:tcPr/>
+                </a:tc>
+                <a:extLst>
+                  <a:ext uri="{0D108BD9-81ED-4DB2-BD59-A6C34878D82A}">
+                    <a16:rowId xmlns:a16="http://schemas.microsoft.com/office/drawing/2014/main" val="791466630"/>
+                  </a:ext>
+                </a:extLst>
+              </a:tr>
+              <a:tr h="370840">
+                <a:tc>
+                  <a:txBody>
+                    <a:bodyPr/>
+                    <a:lstStyle/>
+                    <a:p>
+                      <a:pPr marL="0" marR="0" lvl="0" indent="0" algn="l" defTabSz="457200" rtl="0" eaLnBrk="1" fontAlgn="auto" latinLnBrk="0" hangingPunct="1">
+                        <a:lnSpc>
+                          <a:spcPct val="100000"/>
+                        </a:lnSpc>
+                        <a:spcBef>
+                          <a:spcPts val="0"/>
+                        </a:spcBef>
+                        <a:spcAft>
+                          <a:spcPts val="0"/>
+                        </a:spcAft>
+                        <a:buClrTx/>
+                        <a:buSzTx/>
+                        <a:buFontTx/>
+                        <a:buNone/>
+                        <a:tabLst/>
+                        <a:defRPr/>
+                      </a:pPr>
+                      <a:r>
+                        <a:rPr lang="pl-PL" dirty="0"/>
+                        <a:t>Gauss-Jordan</a:t>
+                      </a:r>
+                    </a:p>
+                  </a:txBody>
+                  <a:tcPr/>
+                </a:tc>
+                <a:tc>
+                  <a:txBody>
+                    <a:bodyPr/>
+                    <a:lstStyle/>
+                    <a:p>
+                      <a:r>
+                        <a:rPr lang="pl-PL" dirty="0"/>
+                        <a:t>1000</a:t>
+                      </a:r>
+                    </a:p>
+                  </a:txBody>
+                  <a:tcPr/>
+                </a:tc>
+                <a:tc>
+                  <a:txBody>
+                    <a:bodyPr/>
+                    <a:lstStyle/>
+                    <a:p>
+                      <a:r>
+                        <a:rPr lang="pl-PL" dirty="0"/>
+                        <a:t>1.5231</a:t>
+                      </a:r>
+                    </a:p>
+                  </a:txBody>
+                  <a:tcPr/>
+                </a:tc>
+                <a:extLst>
+                  <a:ext uri="{0D108BD9-81ED-4DB2-BD59-A6C34878D82A}">
+                    <a16:rowId xmlns:a16="http://schemas.microsoft.com/office/drawing/2014/main" val="2468902049"/>
+                  </a:ext>
+                </a:extLst>
+              </a:tr>
+              <a:tr h="370840">
+                <a:tc>
+                  <a:txBody>
+                    <a:bodyPr/>
+                    <a:lstStyle/>
+                    <a:p>
+                      <a:pPr marL="0" marR="0" lvl="0" indent="0" algn="l" defTabSz="457200" rtl="0" eaLnBrk="1" fontAlgn="auto" latinLnBrk="0" hangingPunct="1">
+                        <a:lnSpc>
+                          <a:spcPct val="100000"/>
+                        </a:lnSpc>
+                        <a:spcBef>
+                          <a:spcPts val="0"/>
+                        </a:spcBef>
+                        <a:spcAft>
+                          <a:spcPts val="0"/>
+                        </a:spcAft>
+                        <a:buClrTx/>
+                        <a:buSzTx/>
+                        <a:buFontTx/>
+                        <a:buNone/>
+                        <a:tabLst/>
+                        <a:defRPr/>
+                      </a:pPr>
+                      <a:r>
+                        <a:rPr lang="pl-PL" dirty="0"/>
+                        <a:t>Gauss-Seidel</a:t>
+                      </a:r>
+                    </a:p>
+                  </a:txBody>
+                  <a:tcPr/>
+                </a:tc>
+                <a:tc>
+                  <a:txBody>
+                    <a:bodyPr/>
+                    <a:lstStyle/>
+                    <a:p>
+                      <a:pPr marL="0" marR="0" lvl="0" indent="0" algn="l" defTabSz="457200" rtl="0" eaLnBrk="1" fontAlgn="auto" latinLnBrk="0" hangingPunct="1">
+                        <a:lnSpc>
+                          <a:spcPct val="100000"/>
+                        </a:lnSpc>
+                        <a:spcBef>
+                          <a:spcPts val="0"/>
+                        </a:spcBef>
+                        <a:spcAft>
+                          <a:spcPts val="0"/>
+                        </a:spcAft>
+                        <a:buClrTx/>
+                        <a:buSzTx/>
+                        <a:buFontTx/>
+                        <a:buNone/>
+                        <a:tabLst/>
+                        <a:defRPr/>
+                      </a:pPr>
+                      <a:r>
+                        <a:rPr lang="pl-PL" dirty="0"/>
+                        <a:t>1000</a:t>
+                      </a:r>
+                    </a:p>
+                  </a:txBody>
+                  <a:tcPr/>
+                </a:tc>
+                <a:tc>
+                  <a:txBody>
+                    <a:bodyPr/>
+                    <a:lstStyle/>
+                    <a:p>
+                      <a:r>
+                        <a:rPr lang="pl-PL" dirty="0"/>
+                        <a:t>0.7320</a:t>
+                      </a:r>
+                    </a:p>
+                  </a:txBody>
+                  <a:tcPr/>
+                </a:tc>
+                <a:extLst>
+                  <a:ext uri="{0D108BD9-81ED-4DB2-BD59-A6C34878D82A}">
+                    <a16:rowId xmlns:a16="http://schemas.microsoft.com/office/drawing/2014/main" val="827390022"/>
+                  </a:ext>
+                </a:extLst>
+              </a:tr>
+              <a:tr h="370840">
+                <a:tc>
+                  <a:txBody>
+                    <a:bodyPr/>
+                    <a:lstStyle/>
+                    <a:p>
+                      <a:r>
+                        <a:rPr lang="pl-PL" dirty="0"/>
+                        <a:t>Jacobi</a:t>
+                      </a:r>
+                    </a:p>
+                  </a:txBody>
+                  <a:tcPr/>
+                </a:tc>
+                <a:tc>
+                  <a:txBody>
+                    <a:bodyPr/>
+                    <a:lstStyle/>
+                    <a:p>
+                      <a:pPr marL="0" marR="0" lvl="0" indent="0" algn="l" defTabSz="457200" rtl="0" eaLnBrk="1" fontAlgn="auto" latinLnBrk="0" hangingPunct="1">
+                        <a:lnSpc>
+                          <a:spcPct val="100000"/>
+                        </a:lnSpc>
+                        <a:spcBef>
+                          <a:spcPts val="0"/>
+                        </a:spcBef>
+                        <a:spcAft>
+                          <a:spcPts val="0"/>
+                        </a:spcAft>
+                        <a:buClrTx/>
+                        <a:buSzTx/>
+                        <a:buFontTx/>
+                        <a:buNone/>
+                        <a:tabLst/>
+                        <a:defRPr/>
+                      </a:pPr>
+                      <a:r>
+                        <a:rPr lang="pl-PL" dirty="0"/>
+                        <a:t>1000</a:t>
+                      </a:r>
+                    </a:p>
+                  </a:txBody>
+                  <a:tcPr/>
+                </a:tc>
+                <a:tc>
+                  <a:txBody>
+                    <a:bodyPr/>
+                    <a:lstStyle/>
+                    <a:p>
+                      <a:r>
+                        <a:rPr lang="pl-PL" dirty="0"/>
+                        <a:t>0.6543</a:t>
+                      </a:r>
+                    </a:p>
+                  </a:txBody>
+                  <a:tcPr/>
+                </a:tc>
+                <a:extLst>
+                  <a:ext uri="{0D108BD9-81ED-4DB2-BD59-A6C34878D82A}">
+                    <a16:rowId xmlns:a16="http://schemas.microsoft.com/office/drawing/2014/main" val="1808265321"/>
+                  </a:ext>
+                </a:extLst>
+              </a:tr>
+            </a:tbl>
+          </a:graphicData>
+        </a:graphic>
+      </p:graphicFrame>
     </p:spTree>
     <p:extLst>
       <p:ext uri="{BB962C8B-B14F-4D97-AF65-F5344CB8AC3E}">
@@ -7740,117 +8001,103 @@
             <p:ph idx="1"/>
           </p:nvPr>
         </p:nvSpPr>
-        <p:spPr/>
-        <p:txBody>
-          <a:bodyPr/>
+        <p:spPr>
+          <a:xfrm>
+            <a:off x="1103312" y="1484026"/>
+            <a:ext cx="8946541" cy="4764373"/>
+          </a:xfrm>
+        </p:spPr>
+        <p:txBody>
+          <a:bodyPr>
+            <a:normAutofit fontScale="92500" lnSpcReduction="10000"/>
+          </a:bodyPr>
           <a:lstStyle/>
           <a:p>
-            <a:pPr marL="0" indent="0">
-              <a:buNone/>
-            </a:pPr>
             <a:r>
               <a:rPr lang="pl-PL" dirty="0"/>
-              <a:t>📌 </a:t>
-            </a:r>
-            <a:r>
-              <a:rPr lang="pl-PL" b="1" dirty="0"/>
-              <a:t>Zakres działań obejmuje:</a:t>
+              <a:t>Zaimplementowanie trzech metod numerycznych do rozwiązywania układów równań liniowych.</a:t>
+            </a:r>
+          </a:p>
+          <a:p>
+            <a:r>
+              <a:rPr lang="pl-PL" dirty="0"/>
+              <a:t>Pomiary czasów wykonania dla różnych rozmiarów macierzy</a:t>
+            </a:r>
+          </a:p>
+          <a:p>
+            <a:r>
+              <a:rPr lang="pl-PL" dirty="0"/>
+              <a:t>Analiza skalowalności w zależności od liczby wątków</a:t>
+            </a:r>
+          </a:p>
+          <a:p>
+            <a:r>
+              <a:rPr lang="pl-PL" dirty="0"/>
+              <a:t>Wykresy i porównanie wydajności implementacji</a:t>
             </a:r>
             <a:br>
               <a:rPr lang="pl-PL" dirty="0"/>
             </a:br>
+            <a:endParaRPr lang="pl-PL" dirty="0"/>
+          </a:p>
+          <a:p>
+            <a:pPr marL="457200" indent="-457200">
+              <a:buFont typeface="+mj-lt"/>
+              <a:buAutoNum type="arabicPeriod"/>
+            </a:pPr>
             <a:r>
               <a:rPr lang="pl-PL" dirty="0"/>
-              <a:t>🔹 Implementację </a:t>
-            </a:r>
-            <a:r>
-              <a:rPr lang="pl-PL" b="1" dirty="0"/>
-              <a:t>trzech wersji algorytmu</a:t>
+              <a:t>Cel końcowy:</a:t>
             </a:r>
             <a:br>
               <a:rPr lang="pl-PL" dirty="0"/>
             </a:br>
             <a:r>
               <a:rPr lang="pl-PL" dirty="0"/>
-              <a:t>🔹 </a:t>
-            </a:r>
-            <a:r>
-              <a:rPr lang="pl-PL" b="1" dirty="0"/>
-              <a:t>Pomiary czasów wykonania</a:t>
-            </a:r>
+              <a:t>Celem końcowym projektu jest znalezienie najbardziej efektywnej metody rozwiązywania układów równań liniowych pod względem wydajności i możliwości zrównoleglenia</a:t>
+            </a:r>
+          </a:p>
+          <a:p>
+            <a:pPr marL="457200" indent="-457200">
+              <a:buAutoNum type="arabicPeriod"/>
+            </a:pPr>
             <a:r>
               <a:rPr lang="pl-PL" dirty="0"/>
-              <a:t> dla różnych rozmiarów macierzy</a:t>
+              <a:t>Odpowiedź na kluczowe pytania:</a:t>
             </a:r>
             <a:br>
               <a:rPr lang="pl-PL" dirty="0"/>
             </a:br>
             <a:r>
               <a:rPr lang="pl-PL" dirty="0"/>
-              <a:t>🔹 </a:t>
-            </a:r>
-            <a:r>
-              <a:rPr lang="pl-PL" b="1" dirty="0"/>
-              <a:t>Analizę skalowalności</a:t>
-            </a:r>
-            <a:r>
-              <a:rPr lang="pl-PL" dirty="0"/>
-              <a:t> w zależności od liczby wątków</a:t>
+              <a:t>- Która metoda jest najszybsza dla dużych układów równań?</a:t>
             </a:r>
             <a:br>
               <a:rPr lang="pl-PL" dirty="0"/>
             </a:br>
             <a:r>
               <a:rPr lang="pl-PL" dirty="0"/>
-              <a:t>🔹 </a:t>
-            </a:r>
-            <a:r>
-              <a:rPr lang="pl-PL" b="1" dirty="0"/>
-              <a:t>Wykresy i porównanie wydajności</a:t>
-            </a:r>
-            <a:r>
-              <a:rPr lang="pl-PL" dirty="0"/>
-              <a:t> implementacji</a:t>
-            </a:r>
-          </a:p>
-          <a:p>
-            <a:pPr marL="0" indent="0">
-              <a:buNone/>
-            </a:pPr>
-            <a:r>
-              <a:rPr lang="pl-PL" dirty="0"/>
-              <a:t>📌 </a:t>
-            </a:r>
-            <a:r>
-              <a:rPr lang="pl-PL" b="1" dirty="0"/>
-              <a:t>Cel końcowy:</a:t>
+              <a:t>- Czy równoległość rzeczywiście przyspiesza każdą metodę?</a:t>
             </a:r>
             <a:br>
               <a:rPr lang="pl-PL" dirty="0"/>
             </a:br>
             <a:r>
               <a:rPr lang="pl-PL" dirty="0"/>
-              <a:t>✅ Odpowiedź na pytanie: </a:t>
-            </a:r>
-            <a:r>
-              <a:rPr lang="pl-PL" b="1" dirty="0"/>
-              <a:t>Która metoda zrównoleglenia jest najbardziej efektywna?</a:t>
-            </a:r>
-            <a:br>
-              <a:rPr lang="pl-PL" dirty="0"/>
-            </a:br>
-            <a:r>
-              <a:rPr lang="pl-PL" dirty="0"/>
-              <a:t>✅ </a:t>
-            </a:r>
-            <a:r>
-              <a:rPr lang="pl-PL" b="1" dirty="0"/>
-              <a:t>Określenie optymalnej liczby wątków</a:t>
-            </a:r>
-            <a:r>
-              <a:rPr lang="pl-PL" dirty="0"/>
-              <a:t> dla różnych przypadków</a:t>
-            </a:r>
+              <a:t>- Ile wątków daje największe przyspieszenie, a kiedy osiągamy limit skalowalności?.</a:t>
+            </a:r>
+          </a:p>
+          <a:p>
+            <a:pPr marL="457200" indent="-457200">
+              <a:buAutoNum type="arabicPeriod"/>
+            </a:pPr>
+            <a:endParaRPr lang="pl-PL" dirty="0"/>
+          </a:p>
+          <a:p>
+            <a:pPr marL="457200" indent="-457200">
+              <a:buAutoNum type="arabicPeriod"/>
+            </a:pPr>
+            <a:endParaRPr lang="pl-PL" dirty="0"/>
           </a:p>
         </p:txBody>
       </p:sp>
